--- a/SQL+PowerBI_Sales.pptx
+++ b/SQL+PowerBI_Sales.pptx
@@ -287,7 +287,7 @@
           <a:p xmlns:a="http://schemas.openxmlformats.org/drawingml/2006/main">
             <a:r>
               <a:rPr b="1" dirty="0"/>
-              <a:t>Top 5 Products</a:t>
+              <a:t>pieChart</a:t>
             </a:r>
             <a:endParaRPr dirty="0"/>
           </a:p>
@@ -3583,7 +3583,7 @@
                 <a:ea typeface="Segoe UI" charset="0"/>
                 <a:cs typeface="Segoe UI" charset="0"/>
               </a:rPr>
-              <a:t>03/05/2024 12:15:12 UTC</a:t>
+              <a:t>19/05/2024 20:18:26 UTC</a:t>
             </a:r>
           </a:p>
         </p:txBody>
@@ -3640,7 +3640,7 @@
                 <a:ea typeface="Segoe UI" charset="0"/>
                 <a:cs typeface="Segoe UI" charset="0"/>
               </a:rPr>
-              <a:t>03/05/2024 12:07:29 UTC</a:t>
+              <a:t>19/05/2024 20:15:23 UTC</a:t>
             </a:r>
             <a:endParaRPr lang="en-US" sz="900" b="0" i="0" dirty="0">
               <a:solidFill>
@@ -3744,7 +3744,7 @@
       <p:grpSpPr/>
       <p:pic>
         <p:nvPicPr>
-          <p:cNvPr id="3" name="Picture" title="This slide contains the following visuals: card ,card ,slicer ,slicer ,Revenue by Market ,Quantity by Market ,Top 5 Customers  ,Top 5 Products ,lineChart. Please refer to the notes on this slide for details">
+          <p:cNvPr id="3" name="Picture" title="This slide contains the following visuals: card ,card ,slicer ,slicer ,Revenue by Market ,Quantity by Market ,Top 5 Customers  ,pieChart ,lineChart. Please refer to the notes on this slide for details">
             <a:hlinkClick xmlns:r="http://schemas.openxmlformats.org/officeDocument/2006/relationships" xmlns:a="http://schemas.openxmlformats.org/drawingml/2006/main" r:id="RelId0"/>
           </p:cNvPr>
           <p:cNvPicPr>
@@ -3753,15 +3753,15 @@
           <p:nvPr/>
         </p:nvPicPr>
         <p:blipFill>
-          <a:blip xmlns:r="http://schemas.openxmlformats.org/officeDocument/2006/relationships" xmlns:a="http://schemas.openxmlformats.org/drawingml/2006/main" r:embed="imgId48702804"/>
+          <a:blip xmlns:r="http://schemas.openxmlformats.org/officeDocument/2006/relationships" xmlns:a="http://schemas.openxmlformats.org/drawingml/2006/main" r:embed="imgId50089927"/>
           <a:stretch xmlns:a="http://schemas.openxmlformats.org/drawingml/2006/main">
             <a:fillRect/>
           </a:stretch>
         </p:blipFill>
         <p:spPr>
           <a:xfrm xmlns:a="http://schemas.openxmlformats.org/drawingml/2006/main">
-            <a:off x="1095375" y="666750"/>
-            <a:ext cx="10001250" cy="5524500"/>
+            <a:off x="571500" y="571500"/>
+            <a:ext cx="11049000" cy="5715000"/>
           </a:xfrm>
           <a:prstGeom xmlns:a="http://schemas.openxmlformats.org/drawingml/2006/main" prst="rect">
             <a:avLst/>
